--- a/Python Lesson 3 Input.pptx
+++ b/Python Lesson 3 Input.pptx
@@ -17758,11 +17758,8 @@
         <a:lstStyle/>
         <a:p>
           <a:r>
-            <a:rPr lang="en-US" i="1" dirty="0">
-              <a:latin typeface="Microsoft YaHei UI" panose="020B0503020204020204" pitchFamily="34" charset="-122"/>
-              <a:ea typeface="Microsoft YaHei UI" panose="020B0503020204020204" pitchFamily="34" charset="-122"/>
-            </a:rPr>
-            <a:t>bit.ly</a:t>
+            <a:rPr lang="en-US" b="0" i="0" u="none" dirty="0"/>
+            <a:t>http://bit.ly/2DPK9z2</a:t>
           </a:r>
           <a:endParaRPr lang="en-US" dirty="0">
             <a:latin typeface="Microsoft YaHei UI" panose="020B0503020204020204" pitchFamily="34" charset="-122"/>
@@ -21661,11 +21658,8 @@
             <a:buChar char="•"/>
           </a:pPr>
           <a:r>
-            <a:rPr lang="en-US" sz="1600" i="1" kern="1200" dirty="0">
-              <a:latin typeface="Microsoft YaHei UI" panose="020B0503020204020204" pitchFamily="34" charset="-122"/>
-              <a:ea typeface="Microsoft YaHei UI" panose="020B0503020204020204" pitchFamily="34" charset="-122"/>
-            </a:rPr>
-            <a:t>bit.ly</a:t>
+            <a:rPr lang="en-US" sz="1600" b="0" i="0" u="none" kern="1200" dirty="0"/>
+            <a:t>http://bit.ly/2DPK9z2</a:t>
           </a:r>
           <a:endParaRPr lang="en-US" sz="1600" kern="1200" dirty="0">
             <a:latin typeface="Microsoft YaHei UI" panose="020B0503020204020204" pitchFamily="34" charset="-122"/>
@@ -46818,7 +46812,7 @@
           <a:p>
             <a:fld id="{2632081B-9E57-490D-98F0-0935C15B415A}" type="datetimeFigureOut">
               <a:rPr lang="en-US" smtClean="0"/>
-              <a:t>1/30/2019</a:t>
+              <a:t>2/2/2019</a:t>
             </a:fld>
             <a:endParaRPr lang="en-US"/>
           </a:p>
@@ -47683,7 +47677,7 @@
           <a:p>
             <a:fld id="{1160EA64-D806-43AC-9DF2-F8C432F32B4C}" type="datetimeFigureOut">
               <a:rPr lang="en-US" smtClean="0"/>
-              <a:t>1/30/2019</a:t>
+              <a:t>2/2/2019</a:t>
             </a:fld>
             <a:endParaRPr lang="en-US" dirty="0"/>
           </a:p>
@@ -47854,7 +47848,7 @@
           <a:p>
             <a:fld id="{E9F9C37B-1D36-470B-8223-D6C91242EC14}" type="datetimeFigureOut">
               <a:rPr lang="en-US" smtClean="0"/>
-              <a:t>1/30/2019</a:t>
+              <a:t>2/2/2019</a:t>
             </a:fld>
             <a:endParaRPr lang="en-US" dirty="0"/>
           </a:p>
@@ -48034,7 +48028,7 @@
           <a:p>
             <a:fld id="{67C6F52A-A82B-47A2-A83A-8C4C91F2D59F}" type="datetimeFigureOut">
               <a:rPr lang="en-US" smtClean="0"/>
-              <a:t>1/30/2019</a:t>
+              <a:t>2/2/2019</a:t>
             </a:fld>
             <a:endParaRPr lang="en-US" dirty="0"/>
           </a:p>
@@ -48204,7 +48198,7 @@
           <a:p>
             <a:fld id="{F070A7B3-6521-4DCA-87E5-044747A908C1}" type="datetimeFigureOut">
               <a:rPr lang="en-US" smtClean="0"/>
-              <a:t>1/30/2019</a:t>
+              <a:t>2/2/2019</a:t>
             </a:fld>
             <a:endParaRPr lang="en-US" dirty="0"/>
           </a:p>
@@ -48473,7 +48467,7 @@
           <a:p>
             <a:fld id="{1160EA64-D806-43AC-9DF2-F8C432F32B4C}" type="datetimeFigureOut">
               <a:rPr lang="en-US" smtClean="0"/>
-              <a:t>1/30/2019</a:t>
+              <a:t>2/2/2019</a:t>
             </a:fld>
             <a:endParaRPr lang="en-US" dirty="0"/>
           </a:p>
@@ -48706,7 +48700,7 @@
           <a:p>
             <a:fld id="{AB134690-1557-4C89-A502-4959FE7FAD70}" type="datetimeFigureOut">
               <a:rPr lang="en-US" smtClean="0"/>
-              <a:t>1/30/2019</a:t>
+              <a:t>2/2/2019</a:t>
             </a:fld>
             <a:endParaRPr lang="en-US" dirty="0"/>
           </a:p>
@@ -49061,7 +49055,7 @@
           <a:p>
             <a:fld id="{4F7D4976-E339-4826-83B7-FBD03F55ECF8}" type="datetimeFigureOut">
               <a:rPr lang="en-US" smtClean="0"/>
-              <a:t>1/30/2019</a:t>
+              <a:t>2/2/2019</a:t>
             </a:fld>
             <a:endParaRPr lang="en-US" dirty="0"/>
           </a:p>
@@ -49202,7 +49196,7 @@
           <a:p>
             <a:fld id="{E1037C31-9E7A-4F99-8774-A0E530DE1A42}" type="datetimeFigureOut">
               <a:rPr lang="en-US" smtClean="0"/>
-              <a:t>1/30/2019</a:t>
+              <a:t>2/2/2019</a:t>
             </a:fld>
             <a:endParaRPr lang="en-US" dirty="0"/>
           </a:p>
@@ -49297,7 +49291,7 @@
           <a:p>
             <a:fld id="{C278504F-A551-4DE0-9316-4DCD1D8CC752}" type="datetimeFigureOut">
               <a:rPr lang="en-US" smtClean="0"/>
-              <a:t>1/30/2019</a:t>
+              <a:t>2/2/2019</a:t>
             </a:fld>
             <a:endParaRPr lang="en-US" dirty="0"/>
           </a:p>
@@ -49654,7 +49648,7 @@
           <a:p>
             <a:fld id="{D1BE4249-C0D0-4B06-8692-E8BB871AF643}" type="datetimeFigureOut">
               <a:rPr lang="en-US" smtClean="0"/>
-              <a:t>1/30/2019</a:t>
+              <a:t>2/2/2019</a:t>
             </a:fld>
             <a:endParaRPr lang="en-US" dirty="0"/>
           </a:p>
@@ -50010,7 +50004,7 @@
           <a:p>
             <a:fld id="{042B0DB6-F5C7-45FB-8CF3-31B45F9C2DAC}" type="datetimeFigureOut">
               <a:rPr lang="en-US" smtClean="0"/>
-              <a:t>1/30/2019</a:t>
+              <a:t>2/2/2019</a:t>
             </a:fld>
             <a:endParaRPr lang="en-US" dirty="0"/>
           </a:p>
@@ -50249,7 +50243,7 @@
           <a:p>
             <a:fld id="{1160EA64-D806-43AC-9DF2-F8C432F32B4C}" type="datetimeFigureOut">
               <a:rPr lang="en-US" smtClean="0"/>
-              <a:t>1/30/2019</a:t>
+              <a:t>2/2/2019</a:t>
             </a:fld>
             <a:endParaRPr lang="en-US" dirty="0"/>
           </a:p>
@@ -52598,7 +52592,7 @@
             <p:ph idx="1"/>
             <p:extLst>
               <p:ext uri="{D42A27DB-BD31-4B8C-83A1-F6EECF244321}">
-                <p14:modId xmlns:p14="http://schemas.microsoft.com/office/powerpoint/2010/main" val="257925715"/>
+                <p14:modId xmlns:p14="http://schemas.microsoft.com/office/powerpoint/2010/main" val="713657515"/>
               </p:ext>
             </p:extLst>
           </p:nvPr>
